--- a/자바심화PPT과제/자바심화 2강.pptx
+++ b/자바심화PPT과제/자바심화 2강.pptx
@@ -4965,7 +4965,7 @@
       </p:sp>
       <p:pic>
         <p:nvPicPr>
-          <p:cNvPr id="3" name="그림 2"/>
+          <p:cNvPr id="4" name="그림 3"/>
           <p:cNvPicPr>
             <a:picLocks noChangeAspect="1"/>
           </p:cNvPicPr>
@@ -4979,8 +4979,8 @@
         </p:blipFill>
         <p:spPr>
           <a:xfrm>
-            <a:off x="1142998" y="1490133"/>
-            <a:ext cx="8493370" cy="3177485"/>
+            <a:off x="1142998" y="4573177"/>
+            <a:ext cx="4413740" cy="2025980"/>
           </a:xfrm>
           <a:prstGeom prst="rect">
             <a:avLst/>
@@ -4989,7 +4989,7 @@
       </p:pic>
       <p:pic>
         <p:nvPicPr>
-          <p:cNvPr id="4" name="그림 3"/>
+          <p:cNvPr id="5" name="그림 4"/>
           <p:cNvPicPr>
             <a:picLocks noChangeAspect="1"/>
           </p:cNvPicPr>
@@ -5003,8 +5003,8 @@
         </p:blipFill>
         <p:spPr>
           <a:xfrm>
-            <a:off x="1142998" y="4573177"/>
-            <a:ext cx="4413740" cy="2025980"/>
+            <a:off x="1079437" y="1490132"/>
+            <a:ext cx="9470030" cy="3084523"/>
           </a:xfrm>
           <a:prstGeom prst="rect">
             <a:avLst/>
@@ -5085,7 +5085,7 @@
       </p:sp>
       <p:pic>
         <p:nvPicPr>
-          <p:cNvPr id="3" name="그림 2"/>
+          <p:cNvPr id="4" name="그림 3"/>
           <p:cNvPicPr>
             <a:picLocks noChangeAspect="1"/>
           </p:cNvPicPr>
@@ -5099,8 +5099,8 @@
         </p:blipFill>
         <p:spPr>
           <a:xfrm>
-            <a:off x="758353" y="489868"/>
-            <a:ext cx="9815862" cy="3926344"/>
+            <a:off x="758353" y="4350276"/>
+            <a:ext cx="4657709" cy="2234865"/>
           </a:xfrm>
           <a:prstGeom prst="rect">
             <a:avLst/>
@@ -5109,7 +5109,7 @@
       </p:pic>
       <p:pic>
         <p:nvPicPr>
-          <p:cNvPr id="4" name="그림 3"/>
+          <p:cNvPr id="5" name="그림 4"/>
           <p:cNvPicPr>
             <a:picLocks noChangeAspect="1"/>
           </p:cNvPicPr>
@@ -5123,8 +5123,8 @@
         </p:blipFill>
         <p:spPr>
           <a:xfrm>
-            <a:off x="758353" y="4350276"/>
-            <a:ext cx="4657709" cy="2234865"/>
+            <a:off x="639819" y="609600"/>
+            <a:ext cx="10839828" cy="3261893"/>
           </a:xfrm>
           <a:prstGeom prst="rect">
             <a:avLst/>
